--- a/360VSOD/show/categories.pptx
+++ b/360VSOD/show/categories.pptx
@@ -4673,10 +4673,6 @@
               </a:rPr>
               <a:t>Violin</a:t>
             </a:r>
-            <a:endParaRPr lang="en-US" altLang="zh-CN" dirty="0" smtClean="0">
-              <a:latin typeface="Times New Roman" panose="02020603050405020304" pitchFamily="18" charset="0"/>
-              <a:cs typeface="Times New Roman" panose="02020603050405020304" pitchFamily="18" charset="0"/>
-            </a:endParaRPr>
           </a:p>
         </p:txBody>
       </p:sp>
@@ -17682,74 +17678,6 @@
               </a:rPr>
               <a:t>Conversation</a:t>
             </a:r>
-            <a:endParaRPr lang="en-US" altLang="zh-CN" b="1" dirty="0" smtClean="0">
-              <a:solidFill>
-                <a:schemeClr val="accent5">
-                  <a:lumMod val="50000"/>
-                </a:schemeClr>
-              </a:solidFill>
-              <a:latin typeface="Times New Roman" panose="02020603050405020304" pitchFamily="18" charset="0"/>
-              <a:cs typeface="Times New Roman" panose="02020603050405020304" pitchFamily="18" charset="0"/>
-            </a:endParaRPr>
-          </a:p>
-        </p:txBody>
-      </p:sp>
-      <p:sp>
-        <p:nvSpPr>
-          <p:cNvPr id="44" name="Oval 43"/>
-          <p:cNvSpPr/>
-          <p:nvPr/>
-        </p:nvSpPr>
-        <p:spPr>
-          <a:xfrm>
-            <a:off x="5983651" y="3345223"/>
-            <a:ext cx="449047" cy="453443"/>
-          </a:xfrm>
-          <a:prstGeom prst="ellipse">
-            <a:avLst/>
-          </a:prstGeom>
-          <a:solidFill>
-            <a:schemeClr val="accent5">
-              <a:lumMod val="75000"/>
-            </a:schemeClr>
-          </a:solidFill>
-          <a:ln>
-            <a:solidFill>
-              <a:schemeClr val="tx1"/>
-            </a:solidFill>
-          </a:ln>
-        </p:spPr>
-        <p:style>
-          <a:lnRef idx="2">
-            <a:schemeClr val="accent1">
-              <a:shade val="50000"/>
-            </a:schemeClr>
-          </a:lnRef>
-          <a:fillRef idx="1">
-            <a:schemeClr val="accent1"/>
-          </a:fillRef>
-          <a:effectRef idx="0">
-            <a:schemeClr val="accent1"/>
-          </a:effectRef>
-          <a:fontRef idx="minor">
-            <a:schemeClr val="lt1"/>
-          </a:fontRef>
-        </p:style>
-        <p:txBody>
-          <a:bodyPr rtlCol="0" anchor="ctr"/>
-          <a:lstStyle/>
-          <a:p>
-            <a:pPr algn="ctr"/>
-            <a:endParaRPr lang="en-US" dirty="0">
-              <a:solidFill>
-                <a:schemeClr val="tx1">
-                  <a:lumMod val="50000"/>
-                  <a:lumOff val="50000"/>
-                </a:schemeClr>
-              </a:solidFill>
-              <a:latin typeface="Times New Roman" panose="02020603050405020304" pitchFamily="18" charset="0"/>
-              <a:cs typeface="Times New Roman" panose="02020603050405020304" pitchFamily="18" charset="0"/>
-            </a:endParaRPr>
           </a:p>
         </p:txBody>
       </p:sp>
@@ -18048,15 +17976,6 @@
               </a:rPr>
               <a:t>Instrument</a:t>
             </a:r>
-            <a:endParaRPr lang="en-US" altLang="zh-CN" b="1" dirty="0" smtClean="0">
-              <a:solidFill>
-                <a:schemeClr val="accent5">
-                  <a:lumMod val="50000"/>
-                </a:schemeClr>
-              </a:solidFill>
-              <a:latin typeface="Times New Roman" panose="02020603050405020304" pitchFamily="18" charset="0"/>
-              <a:cs typeface="Times New Roman" panose="02020603050405020304" pitchFamily="18" charset="0"/>
-            </a:endParaRPr>
           </a:p>
         </p:txBody>
       </p:sp>
@@ -18173,15 +18092,6 @@
               </a:rPr>
               <a:t>Monologue</a:t>
             </a:r>
-            <a:endParaRPr lang="en-US" altLang="zh-CN" b="1" dirty="0" smtClean="0">
-              <a:solidFill>
-                <a:schemeClr val="accent5">
-                  <a:lumMod val="50000"/>
-                </a:schemeClr>
-              </a:solidFill>
-              <a:latin typeface="Times New Roman" panose="02020603050405020304" pitchFamily="18" charset="0"/>
-              <a:cs typeface="Times New Roman" panose="02020603050405020304" pitchFamily="18" charset="0"/>
-            </a:endParaRPr>
           </a:p>
         </p:txBody>
       </p:sp>
@@ -18385,6 +18295,65 @@
           </a:fontRef>
         </p:style>
       </p:cxnSp>
+      <p:sp>
+        <p:nvSpPr>
+          <p:cNvPr id="44" name="Oval 43"/>
+          <p:cNvSpPr/>
+          <p:nvPr/>
+        </p:nvSpPr>
+        <p:spPr>
+          <a:xfrm>
+            <a:off x="5983651" y="3345223"/>
+            <a:ext cx="449047" cy="453443"/>
+          </a:xfrm>
+          <a:prstGeom prst="ellipse">
+            <a:avLst/>
+          </a:prstGeom>
+          <a:solidFill>
+            <a:schemeClr val="accent5">
+              <a:lumMod val="75000"/>
+            </a:schemeClr>
+          </a:solidFill>
+          <a:ln>
+            <a:solidFill>
+              <a:schemeClr val="tx1"/>
+            </a:solidFill>
+          </a:ln>
+        </p:spPr>
+        <p:style>
+          <a:lnRef idx="2">
+            <a:schemeClr val="accent1">
+              <a:shade val="50000"/>
+            </a:schemeClr>
+          </a:lnRef>
+          <a:fillRef idx="1">
+            <a:schemeClr val="accent1"/>
+          </a:fillRef>
+          <a:effectRef idx="0">
+            <a:schemeClr val="accent1"/>
+          </a:effectRef>
+          <a:fontRef idx="minor">
+            <a:schemeClr val="lt1"/>
+          </a:fontRef>
+        </p:style>
+        <p:txBody>
+          <a:bodyPr rtlCol="0" anchor="ctr"/>
+          <a:lstStyle/>
+          <a:p>
+            <a:pPr algn="ctr"/>
+            <a:endParaRPr lang="en-US" dirty="0">
+              <a:solidFill>
+                <a:schemeClr val="tx1">
+                  <a:lumMod val="50000"/>
+                  <a:lumOff val="50000"/>
+                </a:schemeClr>
+              </a:solidFill>
+              <a:latin typeface="Times New Roman" panose="02020603050405020304" pitchFamily="18" charset="0"/>
+              <a:cs typeface="Times New Roman" panose="02020603050405020304" pitchFamily="18" charset="0"/>
+            </a:endParaRPr>
+          </a:p>
+        </p:txBody>
+      </p:sp>
     </p:spTree>
     <p:extLst>
       <p:ext uri="{BB962C8B-B14F-4D97-AF65-F5344CB8AC3E}">
